--- a/University_of_Waterloo/Fall_2021/MATH135/UW_Fall2021_MATH135_Lecture26.pptx
+++ b/University_of_Waterloo/Fall_2021/MATH135/UW_Fall2021_MATH135_Lecture26.pptx
@@ -5,7 +5,7 @@
     <p:sldMasterId id="2147483648" r:id="rId1"/>
   </p:sldMasterIdLst>
   <p:notesMasterIdLst>
-    <p:notesMasterId r:id="rId57"/>
+    <p:notesMasterId r:id="rId54"/>
   </p:notesMasterIdLst>
   <p:sldIdLst>
     <p:sldId id="645" r:id="rId2"/>
@@ -32,37 +32,34 @@
     <p:sldId id="716" r:id="rId23"/>
     <p:sldId id="717" r:id="rId24"/>
     <p:sldId id="626" r:id="rId25"/>
-    <p:sldId id="651" r:id="rId26"/>
-    <p:sldId id="719" r:id="rId27"/>
-    <p:sldId id="668" r:id="rId28"/>
-    <p:sldId id="718" r:id="rId29"/>
-    <p:sldId id="650" r:id="rId30"/>
-    <p:sldId id="720" r:id="rId31"/>
-    <p:sldId id="721" r:id="rId32"/>
-    <p:sldId id="722" r:id="rId33"/>
-    <p:sldId id="723" r:id="rId34"/>
-    <p:sldId id="724" r:id="rId35"/>
-    <p:sldId id="725" r:id="rId36"/>
-    <p:sldId id="726" r:id="rId37"/>
-    <p:sldId id="727" r:id="rId38"/>
-    <p:sldId id="728" r:id="rId39"/>
-    <p:sldId id="729" r:id="rId40"/>
-    <p:sldId id="730" r:id="rId41"/>
-    <p:sldId id="731" r:id="rId42"/>
-    <p:sldId id="732" r:id="rId43"/>
-    <p:sldId id="733" r:id="rId44"/>
-    <p:sldId id="734" r:id="rId45"/>
-    <p:sldId id="735" r:id="rId46"/>
-    <p:sldId id="736" r:id="rId47"/>
-    <p:sldId id="737" r:id="rId48"/>
-    <p:sldId id="738" r:id="rId49"/>
-    <p:sldId id="739" r:id="rId50"/>
-    <p:sldId id="740" r:id="rId51"/>
-    <p:sldId id="741" r:id="rId52"/>
-    <p:sldId id="742" r:id="rId53"/>
-    <p:sldId id="743" r:id="rId54"/>
-    <p:sldId id="744" r:id="rId55"/>
-    <p:sldId id="745" r:id="rId56"/>
+    <p:sldId id="668" r:id="rId26"/>
+    <p:sldId id="650" r:id="rId27"/>
+    <p:sldId id="720" r:id="rId28"/>
+    <p:sldId id="721" r:id="rId29"/>
+    <p:sldId id="722" r:id="rId30"/>
+    <p:sldId id="723" r:id="rId31"/>
+    <p:sldId id="724" r:id="rId32"/>
+    <p:sldId id="725" r:id="rId33"/>
+    <p:sldId id="726" r:id="rId34"/>
+    <p:sldId id="727" r:id="rId35"/>
+    <p:sldId id="728" r:id="rId36"/>
+    <p:sldId id="729" r:id="rId37"/>
+    <p:sldId id="730" r:id="rId38"/>
+    <p:sldId id="731" r:id="rId39"/>
+    <p:sldId id="732" r:id="rId40"/>
+    <p:sldId id="733" r:id="rId41"/>
+    <p:sldId id="734" r:id="rId42"/>
+    <p:sldId id="735" r:id="rId43"/>
+    <p:sldId id="736" r:id="rId44"/>
+    <p:sldId id="737" r:id="rId45"/>
+    <p:sldId id="738" r:id="rId46"/>
+    <p:sldId id="739" r:id="rId47"/>
+    <p:sldId id="740" r:id="rId48"/>
+    <p:sldId id="741" r:id="rId49"/>
+    <p:sldId id="742" r:id="rId50"/>
+    <p:sldId id="743" r:id="rId51"/>
+    <p:sldId id="744" r:id="rId52"/>
+    <p:sldId id="745" r:id="rId53"/>
   </p:sldIdLst>
   <p:sldSz cx="12192000" cy="6858000"/>
   <p:notesSz cx="6858000" cy="9144000"/>
@@ -11571,764 +11568,6 @@
       </p:grpSpPr>
       <p:sp>
         <p:nvSpPr>
-          <p:cNvPr id="8" name="TextBox 7">
-            <a:extLst>
-              <a:ext uri="{FF2B5EF4-FFF2-40B4-BE49-F238E27FC236}">
-                <a16:creationId xmlns:a16="http://schemas.microsoft.com/office/drawing/2014/main" id="{40419644-6DD8-41BD-8DB3-163358359740}"/>
-              </a:ext>
-            </a:extLst>
-          </p:cNvPr>
-          <p:cNvSpPr txBox="1"/>
-          <p:nvPr/>
-        </p:nvSpPr>
-        <p:spPr>
-          <a:xfrm>
-            <a:off x="527878" y="328783"/>
-            <a:ext cx="12390075" cy="2554545"/>
-          </a:xfrm>
-          <a:prstGeom prst="rect">
-            <a:avLst/>
-          </a:prstGeom>
-          <a:noFill/>
-        </p:spPr>
-        <p:txBody>
-          <a:bodyPr wrap="square" rtlCol="0">
-            <a:spAutoFit/>
-          </a:bodyPr>
-          <a:lstStyle/>
-          <a:p>
-            <a:r>
-              <a:rPr lang="en-US" sz="4000" dirty="0">
-                <a:solidFill>
-                  <a:srgbClr val="202124"/>
-                </a:solidFill>
-                <a:latin typeface="arial" panose="020B0604020202020204" pitchFamily="34" charset="0"/>
-              </a:rPr>
-              <a:t>Assignment Tips:</a:t>
-            </a:r>
-          </a:p>
-          <a:p>
-            <a:endParaRPr lang="en-US" sz="4000" dirty="0">
-              <a:solidFill>
-                <a:srgbClr val="202124"/>
-              </a:solidFill>
-              <a:latin typeface="arial" panose="020B0604020202020204" pitchFamily="34" charset="0"/>
-            </a:endParaRPr>
-          </a:p>
-          <a:p>
-            <a:r>
-              <a:rPr lang="en-US" sz="4000" dirty="0">
-                <a:solidFill>
-                  <a:srgbClr val="202124"/>
-                </a:solidFill>
-                <a:latin typeface="arial" panose="020B0604020202020204" pitchFamily="34" charset="0"/>
-              </a:rPr>
-              <a:t>Q2) If false: try to find a valid counter-example</a:t>
-            </a:r>
-          </a:p>
-          <a:p>
-            <a:r>
-              <a:rPr lang="en-US" sz="4000" dirty="0">
-                <a:solidFill>
-                  <a:srgbClr val="202124"/>
-                </a:solidFill>
-                <a:latin typeface="arial" panose="020B0604020202020204" pitchFamily="34" charset="0"/>
-              </a:rPr>
-              <a:t>Q3) </a:t>
-            </a:r>
-          </a:p>
-        </p:txBody>
-      </p:sp>
-      <p:pic>
-        <p:nvPicPr>
-          <p:cNvPr id="4" name="Picture 3">
-            <a:extLst>
-              <a:ext uri="{FF2B5EF4-FFF2-40B4-BE49-F238E27FC236}">
-                <a16:creationId xmlns:a16="http://schemas.microsoft.com/office/drawing/2014/main" id="{BAFE4B3E-48E9-4C69-91CE-AE897A6D0D4D}"/>
-              </a:ext>
-            </a:extLst>
-          </p:cNvPr>
-          <p:cNvPicPr>
-            <a:picLocks noChangeAspect="1"/>
-          </p:cNvPicPr>
-          <p:nvPr/>
-        </p:nvPicPr>
-        <p:blipFill>
-          <a:blip r:embed="rId2"/>
-          <a:stretch>
-            <a:fillRect/>
-          </a:stretch>
-        </p:blipFill>
-        <p:spPr>
-          <a:xfrm>
-            <a:off x="1765387" y="2577938"/>
-            <a:ext cx="8734802" cy="4208417"/>
-          </a:xfrm>
-          <a:prstGeom prst="rect">
-            <a:avLst/>
-          </a:prstGeom>
-          <a:ln w="38100">
-            <a:solidFill>
-              <a:schemeClr val="accent1"/>
-            </a:solidFill>
-          </a:ln>
-        </p:spPr>
-      </p:pic>
-    </p:spTree>
-    <p:extLst>
-      <p:ext uri="{BB962C8B-B14F-4D97-AF65-F5344CB8AC3E}">
-        <p14:creationId xmlns:p14="http://schemas.microsoft.com/office/powerpoint/2010/main" val="2028217935"/>
-      </p:ext>
-    </p:extLst>
-  </p:cSld>
-  <p:clrMapOvr>
-    <a:masterClrMapping/>
-  </p:clrMapOvr>
-  <mc:AlternateContent xmlns:mc="http://schemas.openxmlformats.org/markup-compatibility/2006" xmlns:p14="http://schemas.microsoft.com/office/powerpoint/2010/main">
-    <mc:Choice Requires="p14">
-      <p:transition spd="slow" p14:dur="3500" advTm="240000"/>
-    </mc:Choice>
-    <mc:Fallback xmlns="">
-      <p:transition spd="slow" advTm="240000"/>
-    </mc:Fallback>
-  </mc:AlternateContent>
-  <p:timing>
-    <p:tnLst>
-      <p:par>
-        <p:cTn id="1" dur="indefinite" restart="never" nodeType="tmRoot">
-          <p:childTnLst>
-            <p:seq concurrent="1" nextAc="seek">
-              <p:cTn id="2" dur="indefinite" nodeType="mainSeq">
-                <p:childTnLst>
-                  <p:par>
-                    <p:cTn id="3" fill="hold">
-                      <p:stCondLst>
-                        <p:cond delay="indefinite"/>
-                      </p:stCondLst>
-                      <p:childTnLst>
-                        <p:par>
-                          <p:cTn id="4" fill="hold">
-                            <p:stCondLst>
-                              <p:cond delay="0"/>
-                            </p:stCondLst>
-                            <p:childTnLst>
-                              <p:par>
-                                <p:cTn id="5" presetID="1" presetClass="entr" presetSubtype="0" fill="hold" nodeType="clickEffect">
-                                  <p:stCondLst>
-                                    <p:cond delay="0"/>
-                                  </p:stCondLst>
-                                  <p:childTnLst>
-                                    <p:set>
-                                      <p:cBhvr>
-                                        <p:cTn id="6" dur="1" fill="hold">
-                                          <p:stCondLst>
-                                            <p:cond delay="0"/>
-                                          </p:stCondLst>
-                                        </p:cTn>
-                                        <p:tgtEl>
-                                          <p:spTgt spid="4"/>
-                                        </p:tgtEl>
-                                        <p:attrNameLst>
-                                          <p:attrName>style.visibility</p:attrName>
-                                        </p:attrNameLst>
-                                      </p:cBhvr>
-                                      <p:to>
-                                        <p:strVal val="visible"/>
-                                      </p:to>
-                                    </p:set>
-                                  </p:childTnLst>
-                                </p:cTn>
-                              </p:par>
-                              <p:par>
-                                <p:cTn id="7" presetID="1" presetClass="entr" presetSubtype="0" fill="hold" nodeType="withEffect">
-                                  <p:stCondLst>
-                                    <p:cond delay="0"/>
-                                  </p:stCondLst>
-                                  <p:childTnLst>
-                                    <p:set>
-                                      <p:cBhvr>
-                                        <p:cTn id="8" dur="1" fill="hold">
-                                          <p:stCondLst>
-                                            <p:cond delay="0"/>
-                                          </p:stCondLst>
-                                        </p:cTn>
-                                        <p:tgtEl>
-                                          <p:spTgt spid="8">
-                                            <p:txEl>
-                                              <p:pRg st="3" end="3"/>
-                                            </p:txEl>
-                                          </p:spTgt>
-                                        </p:tgtEl>
-                                        <p:attrNameLst>
-                                          <p:attrName>style.visibility</p:attrName>
-                                        </p:attrNameLst>
-                                      </p:cBhvr>
-                                      <p:to>
-                                        <p:strVal val="visible"/>
-                                      </p:to>
-                                    </p:set>
-                                  </p:childTnLst>
-                                </p:cTn>
-                              </p:par>
-                            </p:childTnLst>
-                          </p:cTn>
-                        </p:par>
-                      </p:childTnLst>
-                    </p:cTn>
-                  </p:par>
-                </p:childTnLst>
-              </p:cTn>
-              <p:prevCondLst>
-                <p:cond evt="onPrev" delay="0">
-                  <p:tgtEl>
-                    <p:sldTgt/>
-                  </p:tgtEl>
-                </p:cond>
-              </p:prevCondLst>
-              <p:nextCondLst>
-                <p:cond evt="onNext" delay="0">
-                  <p:tgtEl>
-                    <p:sldTgt/>
-                  </p:tgtEl>
-                </p:cond>
-              </p:nextCondLst>
-            </p:seq>
-          </p:childTnLst>
-        </p:cTn>
-      </p:par>
-    </p:tnLst>
-  </p:timing>
-</p:sld>
-</file>
-
-<file path=ppt/slides/slide26.xml><?xml version="1.0" encoding="utf-8"?>
-<p:sld xmlns:a="http://schemas.openxmlformats.org/drawingml/2006/main" xmlns:r="http://schemas.openxmlformats.org/officeDocument/2006/relationships" xmlns:p="http://schemas.openxmlformats.org/presentationml/2006/main">
-  <p:cSld>
-    <p:spTree>
-      <p:nvGrpSpPr>
-        <p:cNvPr id="1" name=""/>
-        <p:cNvGrpSpPr/>
-        <p:nvPr/>
-      </p:nvGrpSpPr>
-      <p:grpSpPr>
-        <a:xfrm>
-          <a:off x="0" y="0"/>
-          <a:ext cx="0" cy="0"/>
-          <a:chOff x="0" y="0"/>
-          <a:chExt cx="0" cy="0"/>
-        </a:xfrm>
-      </p:grpSpPr>
-      <p:sp>
-        <p:nvSpPr>
-          <p:cNvPr id="8" name="TextBox 7">
-            <a:extLst>
-              <a:ext uri="{FF2B5EF4-FFF2-40B4-BE49-F238E27FC236}">
-                <a16:creationId xmlns:a16="http://schemas.microsoft.com/office/drawing/2014/main" id="{40419644-6DD8-41BD-8DB3-163358359740}"/>
-              </a:ext>
-            </a:extLst>
-          </p:cNvPr>
-          <p:cNvSpPr txBox="1"/>
-          <p:nvPr/>
-        </p:nvSpPr>
-        <p:spPr>
-          <a:xfrm>
-            <a:off x="114639" y="274290"/>
-            <a:ext cx="12390075" cy="6309420"/>
-          </a:xfrm>
-          <a:prstGeom prst="rect">
-            <a:avLst/>
-          </a:prstGeom>
-          <a:noFill/>
-        </p:spPr>
-        <p:txBody>
-          <a:bodyPr wrap="square" rtlCol="0">
-            <a:spAutoFit/>
-          </a:bodyPr>
-          <a:lstStyle/>
-          <a:p>
-            <a:r>
-              <a:rPr lang="en-US" sz="4000" dirty="0">
-                <a:solidFill>
-                  <a:srgbClr val="202124"/>
-                </a:solidFill>
-                <a:latin typeface="arial" panose="020B0604020202020204" pitchFamily="34" charset="0"/>
-              </a:rPr>
-              <a:t>Assignment Tips:</a:t>
-            </a:r>
-          </a:p>
-          <a:p>
-            <a:endParaRPr lang="en-US" sz="4000" dirty="0">
-              <a:solidFill>
-                <a:srgbClr val="202124"/>
-              </a:solidFill>
-              <a:latin typeface="arial" panose="020B0604020202020204" pitchFamily="34" charset="0"/>
-            </a:endParaRPr>
-          </a:p>
-          <a:p>
-            <a:r>
-              <a:rPr lang="en-US" sz="3600" dirty="0">
-                <a:solidFill>
-                  <a:srgbClr val="202124"/>
-                </a:solidFill>
-                <a:latin typeface="arial" panose="020B0604020202020204" pitchFamily="34" charset="0"/>
-              </a:rPr>
-              <a:t>Q4b) If </a:t>
-            </a:r>
-            <a:r>
-              <a:rPr lang="en-US" sz="3600" i="1" dirty="0">
-                <a:solidFill>
-                  <a:srgbClr val="202124"/>
-                </a:solidFill>
-                <a:latin typeface="arial" panose="020B0604020202020204" pitchFamily="34" charset="0"/>
-              </a:rPr>
-              <a:t>and</a:t>
-            </a:r>
-            <a:r>
-              <a:rPr lang="en-US" sz="3600" dirty="0">
-                <a:solidFill>
-                  <a:srgbClr val="202124"/>
-                </a:solidFill>
-                <a:latin typeface="arial" panose="020B0604020202020204" pitchFamily="34" charset="0"/>
-              </a:rPr>
-              <a:t> only if: </a:t>
-            </a:r>
-          </a:p>
-          <a:p>
-            <a:pPr marL="1028700" lvl="1" indent="-571500">
-              <a:buFont typeface="Arial" panose="020B0604020202020204" pitchFamily="34" charset="0"/>
-              <a:buChar char="•"/>
-            </a:pPr>
-            <a:r>
-              <a:rPr lang="en-US" sz="3600" dirty="0">
-                <a:solidFill>
-                  <a:srgbClr val="202124"/>
-                </a:solidFill>
-                <a:latin typeface="arial" panose="020B0604020202020204" pitchFamily="34" charset="0"/>
-              </a:rPr>
-              <a:t>1 mark for  &lt;= direction</a:t>
-            </a:r>
-          </a:p>
-          <a:p>
-            <a:pPr marL="1028700" lvl="1" indent="-571500">
-              <a:buFont typeface="Arial" panose="020B0604020202020204" pitchFamily="34" charset="0"/>
-              <a:buChar char="•"/>
-            </a:pPr>
-            <a:r>
-              <a:rPr lang="en-US" sz="3600" dirty="0">
-                <a:solidFill>
-                  <a:srgbClr val="202124"/>
-                </a:solidFill>
-                <a:latin typeface="arial" panose="020B0604020202020204" pitchFamily="34" charset="0"/>
-              </a:rPr>
-              <a:t>2 marks for =&gt; direction</a:t>
-            </a:r>
-          </a:p>
-          <a:p>
-            <a:pPr marL="1028700" lvl="1" indent="-571500">
-              <a:buFont typeface="Arial" panose="020B0604020202020204" pitchFamily="34" charset="0"/>
-              <a:buChar char="•"/>
-            </a:pPr>
-            <a:endParaRPr lang="en-US" sz="3600" dirty="0">
-              <a:solidFill>
-                <a:srgbClr val="202124"/>
-              </a:solidFill>
-              <a:latin typeface="arial" panose="020B0604020202020204" pitchFamily="34" charset="0"/>
-            </a:endParaRPr>
-          </a:p>
-          <a:p>
-            <a:r>
-              <a:rPr lang="en-US" sz="3600" dirty="0">
-                <a:solidFill>
-                  <a:srgbClr val="202124"/>
-                </a:solidFill>
-                <a:latin typeface="arial" panose="020B0604020202020204" pitchFamily="34" charset="0"/>
-              </a:rPr>
-              <a:t>Q5) </a:t>
-            </a:r>
-            <a:r>
-              <a:rPr lang="en-US" sz="3600" dirty="0" err="1">
-                <a:solidFill>
-                  <a:srgbClr val="202124"/>
-                </a:solidFill>
-                <a:latin typeface="arial" panose="020B0604020202020204" pitchFamily="34" charset="0"/>
-              </a:rPr>
-              <a:t>Strawwng</a:t>
-            </a:r>
-            <a:r>
-              <a:rPr lang="en-US" sz="3600" dirty="0">
-                <a:solidFill>
-                  <a:srgbClr val="202124"/>
-                </a:solidFill>
-                <a:latin typeface="arial" panose="020B0604020202020204" pitchFamily="34" charset="0"/>
-              </a:rPr>
-              <a:t> Induction </a:t>
-            </a:r>
-          </a:p>
-          <a:p>
-            <a:pPr marL="1028700" lvl="1" indent="-571500">
-              <a:buFont typeface="Arial" panose="020B0604020202020204" pitchFamily="34" charset="0"/>
-              <a:buChar char="•"/>
-            </a:pPr>
-            <a:r>
-              <a:rPr lang="en-US" sz="3600" dirty="0">
-                <a:solidFill>
-                  <a:srgbClr val="202124"/>
-                </a:solidFill>
-                <a:latin typeface="arial" panose="020B0604020202020204" pitchFamily="34" charset="0"/>
-              </a:rPr>
-              <a:t>1 mark for setting it up properly</a:t>
-            </a:r>
-          </a:p>
-          <a:p>
-            <a:pPr lvl="2"/>
-            <a:r>
-              <a:rPr lang="en-US" sz="3600" dirty="0">
-                <a:solidFill>
-                  <a:srgbClr val="202124"/>
-                </a:solidFill>
-                <a:latin typeface="arial" panose="020B0604020202020204" pitchFamily="34" charset="0"/>
-              </a:rPr>
-              <a:t>“Let </a:t>
-            </a:r>
-            <a:r>
-              <a:rPr lang="en-US" sz="3600" i="1" dirty="0">
-                <a:solidFill>
-                  <a:srgbClr val="202124"/>
-                </a:solidFill>
-                <a:latin typeface="arial" panose="020B0604020202020204" pitchFamily="34" charset="0"/>
-              </a:rPr>
-              <a:t>k</a:t>
-            </a:r>
-            <a:r>
-              <a:rPr lang="en-US" sz="3600" dirty="0">
-                <a:solidFill>
-                  <a:srgbClr val="FF0000"/>
-                </a:solidFill>
-                <a:latin typeface="arial" panose="020B0604020202020204" pitchFamily="34" charset="0"/>
-              </a:rPr>
-              <a:t> </a:t>
-            </a:r>
-            <a:r>
-              <a:rPr lang="en-US" sz="3600" dirty="0">
-                <a:latin typeface="arial" panose="020B0604020202020204" pitchFamily="34" charset="0"/>
-              </a:rPr>
-              <a:t>∈ </a:t>
-            </a:r>
-            <a:r>
-              <a:rPr lang="en-US" sz="3600" dirty="0">
-                <a:latin typeface="Arial" panose="020B0604020202020204" pitchFamily="34" charset="0"/>
-              </a:rPr>
-              <a:t>N</a:t>
-            </a:r>
-            <a:r>
-              <a:rPr lang="en-US" sz="3600" i="1" dirty="0">
-                <a:solidFill>
-                  <a:srgbClr val="202124"/>
-                </a:solidFill>
-                <a:latin typeface="arial" panose="020B0604020202020204" pitchFamily="34" charset="0"/>
-              </a:rPr>
-              <a:t> </a:t>
-            </a:r>
-            <a:r>
-              <a:rPr lang="en-US" sz="3600" dirty="0">
-                <a:solidFill>
-                  <a:srgbClr val="202124"/>
-                </a:solidFill>
-                <a:latin typeface="arial" panose="020B0604020202020204" pitchFamily="34" charset="0"/>
-              </a:rPr>
-              <a:t>be arbitrary. Assume… for 1&lt;= r &lt;=k</a:t>
-            </a:r>
-          </a:p>
-          <a:p>
-            <a:pPr marL="1028700" lvl="1" indent="-571500">
-              <a:buFont typeface="Arial" panose="020B0604020202020204" pitchFamily="34" charset="0"/>
-              <a:buChar char="•"/>
-            </a:pPr>
-            <a:r>
-              <a:rPr lang="en-US" sz="3600" dirty="0">
-                <a:solidFill>
-                  <a:srgbClr val="202124"/>
-                </a:solidFill>
-                <a:latin typeface="arial" panose="020B0604020202020204" pitchFamily="34" charset="0"/>
-              </a:rPr>
-              <a:t>Prove for irreducible case (easy), </a:t>
-            </a:r>
-          </a:p>
-          <a:p>
-            <a:pPr lvl="1"/>
-            <a:r>
-              <a:rPr lang="en-US" sz="3600" dirty="0">
-                <a:solidFill>
-                  <a:srgbClr val="202124"/>
-                </a:solidFill>
-                <a:latin typeface="arial" panose="020B0604020202020204" pitchFamily="34" charset="0"/>
-              </a:rPr>
-              <a:t>	 and reducible case (harder)</a:t>
-            </a:r>
-          </a:p>
-        </p:txBody>
-      </p:sp>
-    </p:spTree>
-    <p:extLst>
-      <p:ext uri="{BB962C8B-B14F-4D97-AF65-F5344CB8AC3E}">
-        <p14:creationId xmlns:p14="http://schemas.microsoft.com/office/powerpoint/2010/main" val="4049555948"/>
-      </p:ext>
-    </p:extLst>
-  </p:cSld>
-  <p:clrMapOvr>
-    <a:masterClrMapping/>
-  </p:clrMapOvr>
-  <mc:AlternateContent xmlns:mc="http://schemas.openxmlformats.org/markup-compatibility/2006" xmlns:p14="http://schemas.microsoft.com/office/powerpoint/2010/main">
-    <mc:Choice Requires="p14">
-      <p:transition spd="slow" p14:dur="3500" advTm="240000"/>
-    </mc:Choice>
-    <mc:Fallback xmlns="">
-      <p:transition spd="slow" advTm="240000"/>
-    </mc:Fallback>
-  </mc:AlternateContent>
-  <p:timing>
-    <p:tnLst>
-      <p:par>
-        <p:cTn id="1" dur="indefinite" restart="never" nodeType="tmRoot">
-          <p:childTnLst>
-            <p:seq concurrent="1" nextAc="seek">
-              <p:cTn id="2" dur="indefinite" nodeType="mainSeq">
-                <p:childTnLst>
-                  <p:par>
-                    <p:cTn id="3" fill="hold">
-                      <p:stCondLst>
-                        <p:cond delay="indefinite"/>
-                      </p:stCondLst>
-                      <p:childTnLst>
-                        <p:par>
-                          <p:cTn id="4" fill="hold">
-                            <p:stCondLst>
-                              <p:cond delay="0"/>
-                            </p:stCondLst>
-                            <p:childTnLst>
-                              <p:par>
-                                <p:cTn id="5" presetID="1" presetClass="entr" presetSubtype="0" fill="hold" nodeType="clickEffect">
-                                  <p:stCondLst>
-                                    <p:cond delay="0"/>
-                                  </p:stCondLst>
-                                  <p:childTnLst>
-                                    <p:set>
-                                      <p:cBhvr>
-                                        <p:cTn id="6" dur="1" fill="hold">
-                                          <p:stCondLst>
-                                            <p:cond delay="0"/>
-                                          </p:stCondLst>
-                                        </p:cTn>
-                                        <p:tgtEl>
-                                          <p:spTgt spid="8">
-                                            <p:txEl>
-                                              <p:pRg st="6" end="6"/>
-                                            </p:txEl>
-                                          </p:spTgt>
-                                        </p:tgtEl>
-                                        <p:attrNameLst>
-                                          <p:attrName>style.visibility</p:attrName>
-                                        </p:attrNameLst>
-                                      </p:cBhvr>
-                                      <p:to>
-                                        <p:strVal val="visible"/>
-                                      </p:to>
-                                    </p:set>
-                                  </p:childTnLst>
-                                </p:cTn>
-                              </p:par>
-                            </p:childTnLst>
-                          </p:cTn>
-                        </p:par>
-                      </p:childTnLst>
-                    </p:cTn>
-                  </p:par>
-                  <p:par>
-                    <p:cTn id="7" fill="hold">
-                      <p:stCondLst>
-                        <p:cond delay="indefinite"/>
-                      </p:stCondLst>
-                      <p:childTnLst>
-                        <p:par>
-                          <p:cTn id="8" fill="hold">
-                            <p:stCondLst>
-                              <p:cond delay="0"/>
-                            </p:stCondLst>
-                            <p:childTnLst>
-                              <p:par>
-                                <p:cTn id="9" presetID="1" presetClass="entr" presetSubtype="0" fill="hold" nodeType="clickEffect">
-                                  <p:stCondLst>
-                                    <p:cond delay="0"/>
-                                  </p:stCondLst>
-                                  <p:childTnLst>
-                                    <p:set>
-                                      <p:cBhvr>
-                                        <p:cTn id="10" dur="1" fill="hold">
-                                          <p:stCondLst>
-                                            <p:cond delay="0"/>
-                                          </p:stCondLst>
-                                        </p:cTn>
-                                        <p:tgtEl>
-                                          <p:spTgt spid="8">
-                                            <p:txEl>
-                                              <p:pRg st="7" end="7"/>
-                                            </p:txEl>
-                                          </p:spTgt>
-                                        </p:tgtEl>
-                                        <p:attrNameLst>
-                                          <p:attrName>style.visibility</p:attrName>
-                                        </p:attrNameLst>
-                                      </p:cBhvr>
-                                      <p:to>
-                                        <p:strVal val="visible"/>
-                                      </p:to>
-                                    </p:set>
-                                  </p:childTnLst>
-                                </p:cTn>
-                              </p:par>
-                              <p:par>
-                                <p:cTn id="11" presetID="1" presetClass="entr" presetSubtype="0" fill="hold" nodeType="withEffect">
-                                  <p:stCondLst>
-                                    <p:cond delay="0"/>
-                                  </p:stCondLst>
-                                  <p:childTnLst>
-                                    <p:set>
-                                      <p:cBhvr>
-                                        <p:cTn id="12" dur="1" fill="hold">
-                                          <p:stCondLst>
-                                            <p:cond delay="0"/>
-                                          </p:stCondLst>
-                                        </p:cTn>
-                                        <p:tgtEl>
-                                          <p:spTgt spid="8">
-                                            <p:txEl>
-                                              <p:pRg st="8" end="8"/>
-                                            </p:txEl>
-                                          </p:spTgt>
-                                        </p:tgtEl>
-                                        <p:attrNameLst>
-                                          <p:attrName>style.visibility</p:attrName>
-                                        </p:attrNameLst>
-                                      </p:cBhvr>
-                                      <p:to>
-                                        <p:strVal val="visible"/>
-                                      </p:to>
-                                    </p:set>
-                                  </p:childTnLst>
-                                </p:cTn>
-                              </p:par>
-                              <p:par>
-                                <p:cTn id="13" presetID="1" presetClass="entr" presetSubtype="0" fill="hold" nodeType="withEffect">
-                                  <p:stCondLst>
-                                    <p:cond delay="0"/>
-                                  </p:stCondLst>
-                                  <p:childTnLst>
-                                    <p:set>
-                                      <p:cBhvr>
-                                        <p:cTn id="14" dur="1" fill="hold">
-                                          <p:stCondLst>
-                                            <p:cond delay="0"/>
-                                          </p:stCondLst>
-                                        </p:cTn>
-                                        <p:tgtEl>
-                                          <p:spTgt spid="8">
-                                            <p:txEl>
-                                              <p:pRg st="9" end="9"/>
-                                            </p:txEl>
-                                          </p:spTgt>
-                                        </p:tgtEl>
-                                        <p:attrNameLst>
-                                          <p:attrName>style.visibility</p:attrName>
-                                        </p:attrNameLst>
-                                      </p:cBhvr>
-                                      <p:to>
-                                        <p:strVal val="visible"/>
-                                      </p:to>
-                                    </p:set>
-                                  </p:childTnLst>
-                                </p:cTn>
-                              </p:par>
-                              <p:par>
-                                <p:cTn id="15" presetID="1" presetClass="entr" presetSubtype="0" fill="hold" nodeType="withEffect">
-                                  <p:stCondLst>
-                                    <p:cond delay="0"/>
-                                  </p:stCondLst>
-                                  <p:childTnLst>
-                                    <p:set>
-                                      <p:cBhvr>
-                                        <p:cTn id="16" dur="1" fill="hold">
-                                          <p:stCondLst>
-                                            <p:cond delay="0"/>
-                                          </p:stCondLst>
-                                        </p:cTn>
-                                        <p:tgtEl>
-                                          <p:spTgt spid="8">
-                                            <p:txEl>
-                                              <p:pRg st="10" end="10"/>
-                                            </p:txEl>
-                                          </p:spTgt>
-                                        </p:tgtEl>
-                                        <p:attrNameLst>
-                                          <p:attrName>style.visibility</p:attrName>
-                                        </p:attrNameLst>
-                                      </p:cBhvr>
-                                      <p:to>
-                                        <p:strVal val="visible"/>
-                                      </p:to>
-                                    </p:set>
-                                  </p:childTnLst>
-                                </p:cTn>
-                              </p:par>
-                            </p:childTnLst>
-                          </p:cTn>
-                        </p:par>
-                      </p:childTnLst>
-                    </p:cTn>
-                  </p:par>
-                </p:childTnLst>
-              </p:cTn>
-              <p:prevCondLst>
-                <p:cond evt="onPrev" delay="0">
-                  <p:tgtEl>
-                    <p:sldTgt/>
-                  </p:tgtEl>
-                </p:cond>
-              </p:prevCondLst>
-              <p:nextCondLst>
-                <p:cond evt="onNext" delay="0">
-                  <p:tgtEl>
-                    <p:sldTgt/>
-                  </p:tgtEl>
-                </p:cond>
-              </p:nextCondLst>
-            </p:seq>
-          </p:childTnLst>
-        </p:cTn>
-      </p:par>
-    </p:tnLst>
-  </p:timing>
-</p:sld>
-</file>
-
-<file path=ppt/slides/slide27.xml><?xml version="1.0" encoding="utf-8"?>
-<p:sld xmlns:a="http://schemas.openxmlformats.org/drawingml/2006/main" xmlns:r="http://schemas.openxmlformats.org/officeDocument/2006/relationships" xmlns:p="http://schemas.openxmlformats.org/presentationml/2006/main">
-  <p:cSld>
-    <p:spTree>
-      <p:nvGrpSpPr>
-        <p:cNvPr id="1" name=""/>
-        <p:cNvGrpSpPr/>
-        <p:nvPr/>
-      </p:nvGrpSpPr>
-      <p:grpSpPr>
-        <a:xfrm>
-          <a:off x="0" y="0"/>
-          <a:ext cx="0" cy="0"/>
-          <a:chOff x="0" y="0"/>
-          <a:chExt cx="0" cy="0"/>
-        </a:xfrm>
-      </p:grpSpPr>
-      <p:sp>
-        <p:nvSpPr>
           <p:cNvPr id="2" name="Title 1">
             <a:extLst>
               <a:ext uri="{FF2B5EF4-FFF2-40B4-BE49-F238E27FC236}">
@@ -12457,6 +11696,228 @@
 </p:sld>
 </file>
 
+<file path=ppt/slides/slide26.xml><?xml version="1.0" encoding="utf-8"?>
+<p:sld xmlns:a="http://schemas.openxmlformats.org/drawingml/2006/main" xmlns:r="http://schemas.openxmlformats.org/officeDocument/2006/relationships" xmlns:p="http://schemas.openxmlformats.org/presentationml/2006/main">
+  <p:cSld>
+    <p:spTree>
+      <p:nvGrpSpPr>
+        <p:cNvPr id="1" name=""/>
+        <p:cNvGrpSpPr/>
+        <p:nvPr/>
+      </p:nvGrpSpPr>
+      <p:grpSpPr>
+        <a:xfrm>
+          <a:off x="0" y="0"/>
+          <a:ext cx="0" cy="0"/>
+          <a:chOff x="0" y="0"/>
+          <a:chExt cx="0" cy="0"/>
+        </a:xfrm>
+      </p:grpSpPr>
+      <p:sp>
+        <p:nvSpPr>
+          <p:cNvPr id="6" name="Rectangle 5">
+            <a:extLst>
+              <a:ext uri="{FF2B5EF4-FFF2-40B4-BE49-F238E27FC236}">
+                <a16:creationId xmlns:a16="http://schemas.microsoft.com/office/drawing/2014/main" id="{D32C6AAA-502E-489D-8A1D-2B1F8817EBC3}"/>
+              </a:ext>
+            </a:extLst>
+          </p:cNvPr>
+          <p:cNvSpPr/>
+          <p:nvPr/>
+        </p:nvSpPr>
+        <p:spPr>
+          <a:xfrm>
+            <a:off x="116732" y="5233480"/>
+            <a:ext cx="11801475" cy="276833"/>
+          </a:xfrm>
+          <a:prstGeom prst="rect">
+            <a:avLst/>
+          </a:prstGeom>
+          <a:solidFill>
+            <a:schemeClr val="bg1"/>
+          </a:solidFill>
+          <a:ln>
+            <a:noFill/>
+          </a:ln>
+        </p:spPr>
+        <p:style>
+          <a:lnRef idx="2">
+            <a:schemeClr val="accent1">
+              <a:shade val="50000"/>
+            </a:schemeClr>
+          </a:lnRef>
+          <a:fillRef idx="1">
+            <a:schemeClr val="accent1"/>
+          </a:fillRef>
+          <a:effectRef idx="0">
+            <a:schemeClr val="accent1"/>
+          </a:effectRef>
+          <a:fontRef idx="minor">
+            <a:schemeClr val="lt1"/>
+          </a:fontRef>
+        </p:style>
+        <p:txBody>
+          <a:bodyPr rtlCol="0" anchor="ctr"/>
+          <a:lstStyle/>
+          <a:p>
+            <a:pPr algn="ctr"/>
+            <a:endParaRPr lang="en-US"/>
+          </a:p>
+        </p:txBody>
+      </p:sp>
+      <p:sp>
+        <p:nvSpPr>
+          <p:cNvPr id="3" name="TextBox 2">
+            <a:extLst>
+              <a:ext uri="{FF2B5EF4-FFF2-40B4-BE49-F238E27FC236}">
+                <a16:creationId xmlns:a16="http://schemas.microsoft.com/office/drawing/2014/main" id="{48C29045-B431-4911-84A1-7BD904B186C6}"/>
+              </a:ext>
+            </a:extLst>
+          </p:cNvPr>
+          <p:cNvSpPr txBox="1"/>
+          <p:nvPr/>
+        </p:nvSpPr>
+        <p:spPr>
+          <a:xfrm>
+            <a:off x="186311" y="361164"/>
+            <a:ext cx="11731896" cy="1384995"/>
+          </a:xfrm>
+          <a:prstGeom prst="rect">
+            <a:avLst/>
+          </a:prstGeom>
+          <a:noFill/>
+        </p:spPr>
+        <p:txBody>
+          <a:bodyPr wrap="square" rtlCol="0">
+            <a:spAutoFit/>
+          </a:bodyPr>
+          <a:lstStyle/>
+          <a:p>
+            <a:pPr algn="ctr"/>
+            <a:r>
+              <a:rPr lang="en-US" sz="4200" b="0" i="0" dirty="0">
+                <a:solidFill>
+                  <a:srgbClr val="202124"/>
+                </a:solidFill>
+                <a:effectLst/>
+                <a:latin typeface="arial" panose="020B0604020202020204" pitchFamily="34" charset="0"/>
+              </a:rPr>
+              <a:t>The following pages are intentionally left blank, for writing notes from the tablet.</a:t>
+            </a:r>
+          </a:p>
+        </p:txBody>
+      </p:sp>
+    </p:spTree>
+    <p:extLst>
+      <p:ext uri="{BB962C8B-B14F-4D97-AF65-F5344CB8AC3E}">
+        <p14:creationId xmlns:p14="http://schemas.microsoft.com/office/powerpoint/2010/main" val="2828947889"/>
+      </p:ext>
+    </p:extLst>
+  </p:cSld>
+  <p:clrMapOvr>
+    <a:masterClrMapping/>
+  </p:clrMapOvr>
+  <mc:AlternateContent xmlns:mc="http://schemas.openxmlformats.org/markup-compatibility/2006" xmlns:p14="http://schemas.microsoft.com/office/powerpoint/2010/main">
+    <mc:Choice Requires="p14">
+      <p:transition spd="slow" p14:dur="3500" advTm="240000"/>
+    </mc:Choice>
+    <mc:Fallback xmlns="">
+      <p:transition spd="slow" advTm="240000"/>
+    </mc:Fallback>
+  </mc:AlternateContent>
+</p:sld>
+</file>
+
+<file path=ppt/slides/slide27.xml><?xml version="1.0" encoding="utf-8"?>
+<p:sld xmlns:a="http://schemas.openxmlformats.org/drawingml/2006/main" xmlns:r="http://schemas.openxmlformats.org/officeDocument/2006/relationships" xmlns:p="http://schemas.openxmlformats.org/presentationml/2006/main">
+  <p:cSld>
+    <p:spTree>
+      <p:nvGrpSpPr>
+        <p:cNvPr id="1" name=""/>
+        <p:cNvGrpSpPr/>
+        <p:nvPr/>
+      </p:nvGrpSpPr>
+      <p:grpSpPr>
+        <a:xfrm>
+          <a:off x="0" y="0"/>
+          <a:ext cx="0" cy="0"/>
+          <a:chOff x="0" y="0"/>
+          <a:chExt cx="0" cy="0"/>
+        </a:xfrm>
+      </p:grpSpPr>
+      <p:sp>
+        <p:nvSpPr>
+          <p:cNvPr id="6" name="Rectangle 5">
+            <a:extLst>
+              <a:ext uri="{FF2B5EF4-FFF2-40B4-BE49-F238E27FC236}">
+                <a16:creationId xmlns:a16="http://schemas.microsoft.com/office/drawing/2014/main" id="{D32C6AAA-502E-489D-8A1D-2B1F8817EBC3}"/>
+              </a:ext>
+            </a:extLst>
+          </p:cNvPr>
+          <p:cNvSpPr/>
+          <p:nvPr/>
+        </p:nvSpPr>
+        <p:spPr>
+          <a:xfrm>
+            <a:off x="116732" y="5233480"/>
+            <a:ext cx="11801475" cy="276833"/>
+          </a:xfrm>
+          <a:prstGeom prst="rect">
+            <a:avLst/>
+          </a:prstGeom>
+          <a:solidFill>
+            <a:schemeClr val="bg1"/>
+          </a:solidFill>
+          <a:ln>
+            <a:noFill/>
+          </a:ln>
+        </p:spPr>
+        <p:style>
+          <a:lnRef idx="2">
+            <a:schemeClr val="accent1">
+              <a:shade val="50000"/>
+            </a:schemeClr>
+          </a:lnRef>
+          <a:fillRef idx="1">
+            <a:schemeClr val="accent1"/>
+          </a:fillRef>
+          <a:effectRef idx="0">
+            <a:schemeClr val="accent1"/>
+          </a:effectRef>
+          <a:fontRef idx="minor">
+            <a:schemeClr val="lt1"/>
+          </a:fontRef>
+        </p:style>
+        <p:txBody>
+          <a:bodyPr rtlCol="0" anchor="ctr"/>
+          <a:lstStyle/>
+          <a:p>
+            <a:pPr algn="ctr"/>
+            <a:endParaRPr lang="en-US"/>
+          </a:p>
+        </p:txBody>
+      </p:sp>
+    </p:spTree>
+    <p:extLst>
+      <p:ext uri="{BB962C8B-B14F-4D97-AF65-F5344CB8AC3E}">
+        <p14:creationId xmlns:p14="http://schemas.microsoft.com/office/powerpoint/2010/main" val="3900984853"/>
+      </p:ext>
+    </p:extLst>
+  </p:cSld>
+  <p:clrMapOvr>
+    <a:masterClrMapping/>
+  </p:clrMapOvr>
+  <mc:AlternateContent xmlns:mc="http://schemas.openxmlformats.org/markup-compatibility/2006" xmlns:p14="http://schemas.microsoft.com/office/powerpoint/2010/main">
+    <mc:Choice Requires="p14">
+      <p:transition spd="slow" p14:dur="3500" advTm="240000"/>
+    </mc:Choice>
+    <mc:Fallback xmlns="">
+      <p:transition spd="slow" advTm="240000"/>
+    </mc:Fallback>
+  </mc:AlternateContent>
+</p:sld>
+</file>
+
 <file path=ppt/slides/slide28.xml><?xml version="1.0" encoding="utf-8"?>
 <p:sld xmlns:a="http://schemas.openxmlformats.org/drawingml/2006/main" xmlns:r="http://schemas.openxmlformats.org/officeDocument/2006/relationships" xmlns:p="http://schemas.openxmlformats.org/presentationml/2006/main">
   <p:cSld>
@@ -12476,151 +11937,60 @@
       </p:grpSpPr>
       <p:sp>
         <p:nvSpPr>
-          <p:cNvPr id="8" name="TextBox 7">
+          <p:cNvPr id="6" name="Rectangle 5">
             <a:extLst>
               <a:ext uri="{FF2B5EF4-FFF2-40B4-BE49-F238E27FC236}">
-                <a16:creationId xmlns:a16="http://schemas.microsoft.com/office/drawing/2014/main" id="{40419644-6DD8-41BD-8DB3-163358359740}"/>
+                <a16:creationId xmlns:a16="http://schemas.microsoft.com/office/drawing/2014/main" id="{D32C6AAA-502E-489D-8A1D-2B1F8817EBC3}"/>
               </a:ext>
             </a:extLst>
           </p:cNvPr>
-          <p:cNvSpPr txBox="1"/>
+          <p:cNvSpPr/>
           <p:nvPr/>
         </p:nvSpPr>
         <p:spPr>
           <a:xfrm>
-            <a:off x="202562" y="0"/>
-            <a:ext cx="12390075" cy="5632311"/>
+            <a:off x="116732" y="5233480"/>
+            <a:ext cx="11801475" cy="276833"/>
           </a:xfrm>
           <a:prstGeom prst="rect">
             <a:avLst/>
           </a:prstGeom>
-          <a:noFill/>
+          <a:solidFill>
+            <a:schemeClr val="bg1"/>
+          </a:solidFill>
+          <a:ln>
+            <a:noFill/>
+          </a:ln>
         </p:spPr>
+        <p:style>
+          <a:lnRef idx="2">
+            <a:schemeClr val="accent1">
+              <a:shade val="50000"/>
+            </a:schemeClr>
+          </a:lnRef>
+          <a:fillRef idx="1">
+            <a:schemeClr val="accent1"/>
+          </a:fillRef>
+          <a:effectRef idx="0">
+            <a:schemeClr val="accent1"/>
+          </a:effectRef>
+          <a:fontRef idx="minor">
+            <a:schemeClr val="lt1"/>
+          </a:fontRef>
+        </p:style>
         <p:txBody>
-          <a:bodyPr wrap="square" rtlCol="0">
-            <a:spAutoFit/>
-          </a:bodyPr>
+          <a:bodyPr rtlCol="0" anchor="ctr"/>
           <a:lstStyle/>
           <a:p>
-            <a:pPr marL="857250" indent="-857250">
-              <a:buFont typeface="Arial" panose="020B0604020202020204" pitchFamily="34" charset="0"/>
-              <a:buChar char="•"/>
-            </a:pPr>
-            <a:r>
-              <a:rPr lang="en-US" sz="4000" dirty="0">
-                <a:solidFill>
-                  <a:srgbClr val="202124"/>
-                </a:solidFill>
-                <a:latin typeface="arial" panose="020B0604020202020204" pitchFamily="34" charset="0"/>
-              </a:rPr>
-              <a:t>Tutor connect, if no one replied, what to do.</a:t>
-            </a:r>
-          </a:p>
-          <a:p>
-            <a:pPr marL="857250" indent="-857250">
-              <a:buFont typeface="Arial" panose="020B0604020202020204" pitchFamily="34" charset="0"/>
-              <a:buChar char="•"/>
-            </a:pPr>
-            <a:r>
-              <a:rPr lang="en-US" sz="4000" dirty="0">
-                <a:solidFill>
-                  <a:srgbClr val="202124"/>
-                </a:solidFill>
-                <a:latin typeface="arial" panose="020B0604020202020204" pitchFamily="34" charset="0"/>
-              </a:rPr>
-              <a:t>Jason D’Souza apology</a:t>
-            </a:r>
-          </a:p>
-          <a:p>
-            <a:pPr marL="857250" indent="-857250">
-              <a:buFont typeface="Arial" panose="020B0604020202020204" pitchFamily="34" charset="0"/>
-              <a:buChar char="•"/>
-            </a:pPr>
-            <a:r>
-              <a:rPr lang="en-US" sz="4000" dirty="0">
-                <a:solidFill>
-                  <a:srgbClr val="202124"/>
-                </a:solidFill>
-                <a:latin typeface="arial" panose="020B0604020202020204" pitchFamily="34" charset="0"/>
-              </a:rPr>
-              <a:t>Laith: EEA</a:t>
-            </a:r>
-          </a:p>
-          <a:p>
-            <a:pPr marL="857250" indent="-857250">
-              <a:buFont typeface="Arial" panose="020B0604020202020204" pitchFamily="34" charset="0"/>
-              <a:buChar char="•"/>
-            </a:pPr>
-            <a:r>
-              <a:rPr lang="en-US" sz="4000" dirty="0">
-                <a:solidFill>
-                  <a:srgbClr val="202124"/>
-                </a:solidFill>
-                <a:latin typeface="arial" panose="020B0604020202020204" pitchFamily="34" charset="0"/>
-              </a:rPr>
-              <a:t>Survey results: overall satisfaction (academia.SE page)</a:t>
-            </a:r>
-          </a:p>
-          <a:p>
-            <a:pPr marL="857250" indent="-857250">
-              <a:buFont typeface="Arial" panose="020B0604020202020204" pitchFamily="34" charset="0"/>
-              <a:buChar char="•"/>
-            </a:pPr>
-            <a:r>
-              <a:rPr lang="en-US" sz="4000" dirty="0">
-                <a:solidFill>
-                  <a:srgbClr val="202124"/>
-                </a:solidFill>
-                <a:latin typeface="arial" panose="020B0604020202020204" pitchFamily="34" charset="0"/>
-              </a:rPr>
-              <a:t>Survey: course notes (add that you can look at Jerry’s)</a:t>
-            </a:r>
-          </a:p>
-          <a:p>
-            <a:pPr marL="857250" indent="-857250">
-              <a:buFont typeface="Arial" panose="020B0604020202020204" pitchFamily="34" charset="0"/>
-              <a:buChar char="•"/>
-            </a:pPr>
-            <a:r>
-              <a:rPr lang="en-US" sz="4000" dirty="0">
-                <a:solidFill>
-                  <a:srgbClr val="202124"/>
-                </a:solidFill>
-                <a:latin typeface="arial" panose="020B0604020202020204" pitchFamily="34" charset="0"/>
-              </a:rPr>
-              <a:t>Maybe Example 2 of Chapter 8</a:t>
-            </a:r>
-          </a:p>
-          <a:p>
-            <a:pPr marL="457200" indent="-457200">
-              <a:buFontTx/>
-              <a:buChar char="-"/>
-            </a:pPr>
-            <a:r>
-              <a:rPr lang="en-US" sz="4000" dirty="0" err="1">
-                <a:solidFill>
-                  <a:srgbClr val="202124"/>
-                </a:solidFill>
-                <a:latin typeface="arial" panose="020B0604020202020204" pitchFamily="34" charset="0"/>
-              </a:rPr>
-              <a:t>Youtube</a:t>
-            </a:r>
-            <a:r>
-              <a:rPr lang="en-US" sz="4000" dirty="0">
-                <a:solidFill>
-                  <a:srgbClr val="202124"/>
-                </a:solidFill>
-                <a:latin typeface="arial" panose="020B0604020202020204" pitchFamily="34" charset="0"/>
-              </a:rPr>
-              <a:t> channel</a:t>
-            </a:r>
+            <a:pPr algn="ctr"/>
+            <a:endParaRPr lang="en-US"/>
           </a:p>
         </p:txBody>
       </p:sp>
     </p:spTree>
     <p:extLst>
       <p:ext uri="{BB962C8B-B14F-4D97-AF65-F5344CB8AC3E}">
-        <p14:creationId xmlns:p14="http://schemas.microsoft.com/office/powerpoint/2010/main" val="2376780552"/>
+        <p14:creationId xmlns:p14="http://schemas.microsoft.com/office/powerpoint/2010/main" val="1574018176"/>
       </p:ext>
     </p:extLst>
   </p:cSld>
@@ -12707,52 +12077,10 @@
           </a:p>
         </p:txBody>
       </p:sp>
-      <p:sp>
-        <p:nvSpPr>
-          <p:cNvPr id="3" name="TextBox 2">
-            <a:extLst>
-              <a:ext uri="{FF2B5EF4-FFF2-40B4-BE49-F238E27FC236}">
-                <a16:creationId xmlns:a16="http://schemas.microsoft.com/office/drawing/2014/main" id="{48C29045-B431-4911-84A1-7BD904B186C6}"/>
-              </a:ext>
-            </a:extLst>
-          </p:cNvPr>
-          <p:cNvSpPr txBox="1"/>
-          <p:nvPr/>
-        </p:nvSpPr>
-        <p:spPr>
-          <a:xfrm>
-            <a:off x="186311" y="361164"/>
-            <a:ext cx="11731896" cy="1384995"/>
-          </a:xfrm>
-          <a:prstGeom prst="rect">
-            <a:avLst/>
-          </a:prstGeom>
-          <a:noFill/>
-        </p:spPr>
-        <p:txBody>
-          <a:bodyPr wrap="square" rtlCol="0">
-            <a:spAutoFit/>
-          </a:bodyPr>
-          <a:lstStyle/>
-          <a:p>
-            <a:pPr algn="ctr"/>
-            <a:r>
-              <a:rPr lang="en-US" sz="4200" b="0" i="0" dirty="0">
-                <a:solidFill>
-                  <a:srgbClr val="202124"/>
-                </a:solidFill>
-                <a:effectLst/>
-                <a:latin typeface="arial" panose="020B0604020202020204" pitchFamily="34" charset="0"/>
-              </a:rPr>
-              <a:t>The following pages are intentionally left blank, for writing notes from the tablet.</a:t>
-            </a:r>
-          </a:p>
-        </p:txBody>
-      </p:sp>
     </p:spTree>
     <p:extLst>
       <p:ext uri="{BB962C8B-B14F-4D97-AF65-F5344CB8AC3E}">
-        <p14:creationId xmlns:p14="http://schemas.microsoft.com/office/powerpoint/2010/main" val="2828947889"/>
+        <p14:creationId xmlns:p14="http://schemas.microsoft.com/office/powerpoint/2010/main" val="2761612457"/>
       </p:ext>
     </p:extLst>
   </p:cSld>
@@ -12952,7 +12280,7 @@
     </p:spTree>
     <p:extLst>
       <p:ext uri="{BB962C8B-B14F-4D97-AF65-F5344CB8AC3E}">
-        <p14:creationId xmlns:p14="http://schemas.microsoft.com/office/powerpoint/2010/main" val="3900984853"/>
+        <p14:creationId xmlns:p14="http://schemas.microsoft.com/office/powerpoint/2010/main" val="2844677609"/>
       </p:ext>
     </p:extLst>
   </p:cSld>
@@ -13042,7 +12370,7 @@
     </p:spTree>
     <p:extLst>
       <p:ext uri="{BB962C8B-B14F-4D97-AF65-F5344CB8AC3E}">
-        <p14:creationId xmlns:p14="http://schemas.microsoft.com/office/powerpoint/2010/main" val="1574018176"/>
+        <p14:creationId xmlns:p14="http://schemas.microsoft.com/office/powerpoint/2010/main" val="374486975"/>
       </p:ext>
     </p:extLst>
   </p:cSld>
@@ -13132,7 +12460,7 @@
     </p:spTree>
     <p:extLst>
       <p:ext uri="{BB962C8B-B14F-4D97-AF65-F5344CB8AC3E}">
-        <p14:creationId xmlns:p14="http://schemas.microsoft.com/office/powerpoint/2010/main" val="2761612457"/>
+        <p14:creationId xmlns:p14="http://schemas.microsoft.com/office/powerpoint/2010/main" val="4184969776"/>
       </p:ext>
     </p:extLst>
   </p:cSld>
@@ -13222,7 +12550,7 @@
     </p:spTree>
     <p:extLst>
       <p:ext uri="{BB962C8B-B14F-4D97-AF65-F5344CB8AC3E}">
-        <p14:creationId xmlns:p14="http://schemas.microsoft.com/office/powerpoint/2010/main" val="2844677609"/>
+        <p14:creationId xmlns:p14="http://schemas.microsoft.com/office/powerpoint/2010/main" val="879751257"/>
       </p:ext>
     </p:extLst>
   </p:cSld>
@@ -13312,7 +12640,7 @@
     </p:spTree>
     <p:extLst>
       <p:ext uri="{BB962C8B-B14F-4D97-AF65-F5344CB8AC3E}">
-        <p14:creationId xmlns:p14="http://schemas.microsoft.com/office/powerpoint/2010/main" val="374486975"/>
+        <p14:creationId xmlns:p14="http://schemas.microsoft.com/office/powerpoint/2010/main" val="1742168187"/>
       </p:ext>
     </p:extLst>
   </p:cSld>
@@ -13402,7 +12730,7 @@
     </p:spTree>
     <p:extLst>
       <p:ext uri="{BB962C8B-B14F-4D97-AF65-F5344CB8AC3E}">
-        <p14:creationId xmlns:p14="http://schemas.microsoft.com/office/powerpoint/2010/main" val="4184969776"/>
+        <p14:creationId xmlns:p14="http://schemas.microsoft.com/office/powerpoint/2010/main" val="4089231667"/>
       </p:ext>
     </p:extLst>
   </p:cSld>
@@ -13492,7 +12820,7 @@
     </p:spTree>
     <p:extLst>
       <p:ext uri="{BB962C8B-B14F-4D97-AF65-F5344CB8AC3E}">
-        <p14:creationId xmlns:p14="http://schemas.microsoft.com/office/powerpoint/2010/main" val="879751257"/>
+        <p14:creationId xmlns:p14="http://schemas.microsoft.com/office/powerpoint/2010/main" val="1997598526"/>
       </p:ext>
     </p:extLst>
   </p:cSld>
@@ -13582,7 +12910,7 @@
     </p:spTree>
     <p:extLst>
       <p:ext uri="{BB962C8B-B14F-4D97-AF65-F5344CB8AC3E}">
-        <p14:creationId xmlns:p14="http://schemas.microsoft.com/office/powerpoint/2010/main" val="1742168187"/>
+        <p14:creationId xmlns:p14="http://schemas.microsoft.com/office/powerpoint/2010/main" val="1740069494"/>
       </p:ext>
     </p:extLst>
   </p:cSld>
@@ -13672,7 +13000,7 @@
     </p:spTree>
     <p:extLst>
       <p:ext uri="{BB962C8B-B14F-4D97-AF65-F5344CB8AC3E}">
-        <p14:creationId xmlns:p14="http://schemas.microsoft.com/office/powerpoint/2010/main" val="4089231667"/>
+        <p14:creationId xmlns:p14="http://schemas.microsoft.com/office/powerpoint/2010/main" val="3647356522"/>
       </p:ext>
     </p:extLst>
   </p:cSld>
@@ -13762,7 +13090,7 @@
     </p:spTree>
     <p:extLst>
       <p:ext uri="{BB962C8B-B14F-4D97-AF65-F5344CB8AC3E}">
-        <p14:creationId xmlns:p14="http://schemas.microsoft.com/office/powerpoint/2010/main" val="1997598526"/>
+        <p14:creationId xmlns:p14="http://schemas.microsoft.com/office/powerpoint/2010/main" val="1753707579"/>
       </p:ext>
     </p:extLst>
   </p:cSld>
@@ -14264,7 +13592,7 @@
     </p:spTree>
     <p:extLst>
       <p:ext uri="{BB962C8B-B14F-4D97-AF65-F5344CB8AC3E}">
-        <p14:creationId xmlns:p14="http://schemas.microsoft.com/office/powerpoint/2010/main" val="1740069494"/>
+        <p14:creationId xmlns:p14="http://schemas.microsoft.com/office/powerpoint/2010/main" val="769597631"/>
       </p:ext>
     </p:extLst>
   </p:cSld>
@@ -14354,7 +13682,7 @@
     </p:spTree>
     <p:extLst>
       <p:ext uri="{BB962C8B-B14F-4D97-AF65-F5344CB8AC3E}">
-        <p14:creationId xmlns:p14="http://schemas.microsoft.com/office/powerpoint/2010/main" val="3647356522"/>
+        <p14:creationId xmlns:p14="http://schemas.microsoft.com/office/powerpoint/2010/main" val="1369874110"/>
       </p:ext>
     </p:extLst>
   </p:cSld>
@@ -14444,7 +13772,7 @@
     </p:spTree>
     <p:extLst>
       <p:ext uri="{BB962C8B-B14F-4D97-AF65-F5344CB8AC3E}">
-        <p14:creationId xmlns:p14="http://schemas.microsoft.com/office/powerpoint/2010/main" val="1753707579"/>
+        <p14:creationId xmlns:p14="http://schemas.microsoft.com/office/powerpoint/2010/main" val="1149507230"/>
       </p:ext>
     </p:extLst>
   </p:cSld>
@@ -14534,7 +13862,7 @@
     </p:spTree>
     <p:extLst>
       <p:ext uri="{BB962C8B-B14F-4D97-AF65-F5344CB8AC3E}">
-        <p14:creationId xmlns:p14="http://schemas.microsoft.com/office/powerpoint/2010/main" val="769597631"/>
+        <p14:creationId xmlns:p14="http://schemas.microsoft.com/office/powerpoint/2010/main" val="1667412408"/>
       </p:ext>
     </p:extLst>
   </p:cSld>
@@ -14624,7 +13952,7 @@
     </p:spTree>
     <p:extLst>
       <p:ext uri="{BB962C8B-B14F-4D97-AF65-F5344CB8AC3E}">
-        <p14:creationId xmlns:p14="http://schemas.microsoft.com/office/powerpoint/2010/main" val="1369874110"/>
+        <p14:creationId xmlns:p14="http://schemas.microsoft.com/office/powerpoint/2010/main" val="88402415"/>
       </p:ext>
     </p:extLst>
   </p:cSld>
@@ -14714,7 +14042,7 @@
     </p:spTree>
     <p:extLst>
       <p:ext uri="{BB962C8B-B14F-4D97-AF65-F5344CB8AC3E}">
-        <p14:creationId xmlns:p14="http://schemas.microsoft.com/office/powerpoint/2010/main" val="1149507230"/>
+        <p14:creationId xmlns:p14="http://schemas.microsoft.com/office/powerpoint/2010/main" val="2743282578"/>
       </p:ext>
     </p:extLst>
   </p:cSld>
@@ -14804,7 +14132,7 @@
     </p:spTree>
     <p:extLst>
       <p:ext uri="{BB962C8B-B14F-4D97-AF65-F5344CB8AC3E}">
-        <p14:creationId xmlns:p14="http://schemas.microsoft.com/office/powerpoint/2010/main" val="1667412408"/>
+        <p14:creationId xmlns:p14="http://schemas.microsoft.com/office/powerpoint/2010/main" val="548395040"/>
       </p:ext>
     </p:extLst>
   </p:cSld>
@@ -14894,7 +14222,7 @@
     </p:spTree>
     <p:extLst>
       <p:ext uri="{BB962C8B-B14F-4D97-AF65-F5344CB8AC3E}">
-        <p14:creationId xmlns:p14="http://schemas.microsoft.com/office/powerpoint/2010/main" val="88402415"/>
+        <p14:creationId xmlns:p14="http://schemas.microsoft.com/office/powerpoint/2010/main" val="1723242439"/>
       </p:ext>
     </p:extLst>
   </p:cSld>
@@ -14984,7 +14312,7 @@
     </p:spTree>
     <p:extLst>
       <p:ext uri="{BB962C8B-B14F-4D97-AF65-F5344CB8AC3E}">
-        <p14:creationId xmlns:p14="http://schemas.microsoft.com/office/powerpoint/2010/main" val="2743282578"/>
+        <p14:creationId xmlns:p14="http://schemas.microsoft.com/office/powerpoint/2010/main" val="1370813750"/>
       </p:ext>
     </p:extLst>
   </p:cSld>
@@ -15074,7 +14402,7 @@
     </p:spTree>
     <p:extLst>
       <p:ext uri="{BB962C8B-B14F-4D97-AF65-F5344CB8AC3E}">
-        <p14:creationId xmlns:p14="http://schemas.microsoft.com/office/powerpoint/2010/main" val="548395040"/>
+        <p14:creationId xmlns:p14="http://schemas.microsoft.com/office/powerpoint/2010/main" val="304321676"/>
       </p:ext>
     </p:extLst>
   </p:cSld>
@@ -15326,7 +14654,7 @@
     </p:spTree>
     <p:extLst>
       <p:ext uri="{BB962C8B-B14F-4D97-AF65-F5344CB8AC3E}">
-        <p14:creationId xmlns:p14="http://schemas.microsoft.com/office/powerpoint/2010/main" val="1723242439"/>
+        <p14:creationId xmlns:p14="http://schemas.microsoft.com/office/powerpoint/2010/main" val="733284900"/>
       </p:ext>
     </p:extLst>
   </p:cSld>
@@ -15416,7 +14744,7 @@
     </p:spTree>
     <p:extLst>
       <p:ext uri="{BB962C8B-B14F-4D97-AF65-F5344CB8AC3E}">
-        <p14:creationId xmlns:p14="http://schemas.microsoft.com/office/powerpoint/2010/main" val="1370813750"/>
+        <p14:creationId xmlns:p14="http://schemas.microsoft.com/office/powerpoint/2010/main" val="2854016200"/>
       </p:ext>
     </p:extLst>
   </p:cSld>
@@ -15435,276 +14763,6 @@
 </file>
 
 <file path=ppt/slides/slide52.xml><?xml version="1.0" encoding="utf-8"?>
-<p:sld xmlns:a="http://schemas.openxmlformats.org/drawingml/2006/main" xmlns:r="http://schemas.openxmlformats.org/officeDocument/2006/relationships" xmlns:p="http://schemas.openxmlformats.org/presentationml/2006/main">
-  <p:cSld>
-    <p:spTree>
-      <p:nvGrpSpPr>
-        <p:cNvPr id="1" name=""/>
-        <p:cNvGrpSpPr/>
-        <p:nvPr/>
-      </p:nvGrpSpPr>
-      <p:grpSpPr>
-        <a:xfrm>
-          <a:off x="0" y="0"/>
-          <a:ext cx="0" cy="0"/>
-          <a:chOff x="0" y="0"/>
-          <a:chExt cx="0" cy="0"/>
-        </a:xfrm>
-      </p:grpSpPr>
-      <p:sp>
-        <p:nvSpPr>
-          <p:cNvPr id="6" name="Rectangle 5">
-            <a:extLst>
-              <a:ext uri="{FF2B5EF4-FFF2-40B4-BE49-F238E27FC236}">
-                <a16:creationId xmlns:a16="http://schemas.microsoft.com/office/drawing/2014/main" id="{D32C6AAA-502E-489D-8A1D-2B1F8817EBC3}"/>
-              </a:ext>
-            </a:extLst>
-          </p:cNvPr>
-          <p:cNvSpPr/>
-          <p:nvPr/>
-        </p:nvSpPr>
-        <p:spPr>
-          <a:xfrm>
-            <a:off x="116732" y="5233480"/>
-            <a:ext cx="11801475" cy="276833"/>
-          </a:xfrm>
-          <a:prstGeom prst="rect">
-            <a:avLst/>
-          </a:prstGeom>
-          <a:solidFill>
-            <a:schemeClr val="bg1"/>
-          </a:solidFill>
-          <a:ln>
-            <a:noFill/>
-          </a:ln>
-        </p:spPr>
-        <p:style>
-          <a:lnRef idx="2">
-            <a:schemeClr val="accent1">
-              <a:shade val="50000"/>
-            </a:schemeClr>
-          </a:lnRef>
-          <a:fillRef idx="1">
-            <a:schemeClr val="accent1"/>
-          </a:fillRef>
-          <a:effectRef idx="0">
-            <a:schemeClr val="accent1"/>
-          </a:effectRef>
-          <a:fontRef idx="minor">
-            <a:schemeClr val="lt1"/>
-          </a:fontRef>
-        </p:style>
-        <p:txBody>
-          <a:bodyPr rtlCol="0" anchor="ctr"/>
-          <a:lstStyle/>
-          <a:p>
-            <a:pPr algn="ctr"/>
-            <a:endParaRPr lang="en-US"/>
-          </a:p>
-        </p:txBody>
-      </p:sp>
-    </p:spTree>
-    <p:extLst>
-      <p:ext uri="{BB962C8B-B14F-4D97-AF65-F5344CB8AC3E}">
-        <p14:creationId xmlns:p14="http://schemas.microsoft.com/office/powerpoint/2010/main" val="304321676"/>
-      </p:ext>
-    </p:extLst>
-  </p:cSld>
-  <p:clrMapOvr>
-    <a:masterClrMapping/>
-  </p:clrMapOvr>
-  <mc:AlternateContent xmlns:mc="http://schemas.openxmlformats.org/markup-compatibility/2006" xmlns:p14="http://schemas.microsoft.com/office/powerpoint/2010/main">
-    <mc:Choice Requires="p14">
-      <p:transition spd="slow" p14:dur="3500" advTm="240000"/>
-    </mc:Choice>
-    <mc:Fallback xmlns="">
-      <p:transition spd="slow" advTm="240000"/>
-    </mc:Fallback>
-  </mc:AlternateContent>
-</p:sld>
-</file>
-
-<file path=ppt/slides/slide53.xml><?xml version="1.0" encoding="utf-8"?>
-<p:sld xmlns:a="http://schemas.openxmlformats.org/drawingml/2006/main" xmlns:r="http://schemas.openxmlformats.org/officeDocument/2006/relationships" xmlns:p="http://schemas.openxmlformats.org/presentationml/2006/main">
-  <p:cSld>
-    <p:spTree>
-      <p:nvGrpSpPr>
-        <p:cNvPr id="1" name=""/>
-        <p:cNvGrpSpPr/>
-        <p:nvPr/>
-      </p:nvGrpSpPr>
-      <p:grpSpPr>
-        <a:xfrm>
-          <a:off x="0" y="0"/>
-          <a:ext cx="0" cy="0"/>
-          <a:chOff x="0" y="0"/>
-          <a:chExt cx="0" cy="0"/>
-        </a:xfrm>
-      </p:grpSpPr>
-      <p:sp>
-        <p:nvSpPr>
-          <p:cNvPr id="6" name="Rectangle 5">
-            <a:extLst>
-              <a:ext uri="{FF2B5EF4-FFF2-40B4-BE49-F238E27FC236}">
-                <a16:creationId xmlns:a16="http://schemas.microsoft.com/office/drawing/2014/main" id="{D32C6AAA-502E-489D-8A1D-2B1F8817EBC3}"/>
-              </a:ext>
-            </a:extLst>
-          </p:cNvPr>
-          <p:cNvSpPr/>
-          <p:nvPr/>
-        </p:nvSpPr>
-        <p:spPr>
-          <a:xfrm>
-            <a:off x="116732" y="5233480"/>
-            <a:ext cx="11801475" cy="276833"/>
-          </a:xfrm>
-          <a:prstGeom prst="rect">
-            <a:avLst/>
-          </a:prstGeom>
-          <a:solidFill>
-            <a:schemeClr val="bg1"/>
-          </a:solidFill>
-          <a:ln>
-            <a:noFill/>
-          </a:ln>
-        </p:spPr>
-        <p:style>
-          <a:lnRef idx="2">
-            <a:schemeClr val="accent1">
-              <a:shade val="50000"/>
-            </a:schemeClr>
-          </a:lnRef>
-          <a:fillRef idx="1">
-            <a:schemeClr val="accent1"/>
-          </a:fillRef>
-          <a:effectRef idx="0">
-            <a:schemeClr val="accent1"/>
-          </a:effectRef>
-          <a:fontRef idx="minor">
-            <a:schemeClr val="lt1"/>
-          </a:fontRef>
-        </p:style>
-        <p:txBody>
-          <a:bodyPr rtlCol="0" anchor="ctr"/>
-          <a:lstStyle/>
-          <a:p>
-            <a:pPr algn="ctr"/>
-            <a:endParaRPr lang="en-US"/>
-          </a:p>
-        </p:txBody>
-      </p:sp>
-    </p:spTree>
-    <p:extLst>
-      <p:ext uri="{BB962C8B-B14F-4D97-AF65-F5344CB8AC3E}">
-        <p14:creationId xmlns:p14="http://schemas.microsoft.com/office/powerpoint/2010/main" val="733284900"/>
-      </p:ext>
-    </p:extLst>
-  </p:cSld>
-  <p:clrMapOvr>
-    <a:masterClrMapping/>
-  </p:clrMapOvr>
-  <mc:AlternateContent xmlns:mc="http://schemas.openxmlformats.org/markup-compatibility/2006" xmlns:p14="http://schemas.microsoft.com/office/powerpoint/2010/main">
-    <mc:Choice Requires="p14">
-      <p:transition spd="slow" p14:dur="3500" advTm="240000"/>
-    </mc:Choice>
-    <mc:Fallback xmlns="">
-      <p:transition spd="slow" advTm="240000"/>
-    </mc:Fallback>
-  </mc:AlternateContent>
-</p:sld>
-</file>
-
-<file path=ppt/slides/slide54.xml><?xml version="1.0" encoding="utf-8"?>
-<p:sld xmlns:a="http://schemas.openxmlformats.org/drawingml/2006/main" xmlns:r="http://schemas.openxmlformats.org/officeDocument/2006/relationships" xmlns:p="http://schemas.openxmlformats.org/presentationml/2006/main">
-  <p:cSld>
-    <p:spTree>
-      <p:nvGrpSpPr>
-        <p:cNvPr id="1" name=""/>
-        <p:cNvGrpSpPr/>
-        <p:nvPr/>
-      </p:nvGrpSpPr>
-      <p:grpSpPr>
-        <a:xfrm>
-          <a:off x="0" y="0"/>
-          <a:ext cx="0" cy="0"/>
-          <a:chOff x="0" y="0"/>
-          <a:chExt cx="0" cy="0"/>
-        </a:xfrm>
-      </p:grpSpPr>
-      <p:sp>
-        <p:nvSpPr>
-          <p:cNvPr id="6" name="Rectangle 5">
-            <a:extLst>
-              <a:ext uri="{FF2B5EF4-FFF2-40B4-BE49-F238E27FC236}">
-                <a16:creationId xmlns:a16="http://schemas.microsoft.com/office/drawing/2014/main" id="{D32C6AAA-502E-489D-8A1D-2B1F8817EBC3}"/>
-              </a:ext>
-            </a:extLst>
-          </p:cNvPr>
-          <p:cNvSpPr/>
-          <p:nvPr/>
-        </p:nvSpPr>
-        <p:spPr>
-          <a:xfrm>
-            <a:off x="116732" y="5233480"/>
-            <a:ext cx="11801475" cy="276833"/>
-          </a:xfrm>
-          <a:prstGeom prst="rect">
-            <a:avLst/>
-          </a:prstGeom>
-          <a:solidFill>
-            <a:schemeClr val="bg1"/>
-          </a:solidFill>
-          <a:ln>
-            <a:noFill/>
-          </a:ln>
-        </p:spPr>
-        <p:style>
-          <a:lnRef idx="2">
-            <a:schemeClr val="accent1">
-              <a:shade val="50000"/>
-            </a:schemeClr>
-          </a:lnRef>
-          <a:fillRef idx="1">
-            <a:schemeClr val="accent1"/>
-          </a:fillRef>
-          <a:effectRef idx="0">
-            <a:schemeClr val="accent1"/>
-          </a:effectRef>
-          <a:fontRef idx="minor">
-            <a:schemeClr val="lt1"/>
-          </a:fontRef>
-        </p:style>
-        <p:txBody>
-          <a:bodyPr rtlCol="0" anchor="ctr"/>
-          <a:lstStyle/>
-          <a:p>
-            <a:pPr algn="ctr"/>
-            <a:endParaRPr lang="en-US"/>
-          </a:p>
-        </p:txBody>
-      </p:sp>
-    </p:spTree>
-    <p:extLst>
-      <p:ext uri="{BB962C8B-B14F-4D97-AF65-F5344CB8AC3E}">
-        <p14:creationId xmlns:p14="http://schemas.microsoft.com/office/powerpoint/2010/main" val="2854016200"/>
-      </p:ext>
-    </p:extLst>
-  </p:cSld>
-  <p:clrMapOvr>
-    <a:masterClrMapping/>
-  </p:clrMapOvr>
-  <mc:AlternateContent xmlns:mc="http://schemas.openxmlformats.org/markup-compatibility/2006" xmlns:p14="http://schemas.microsoft.com/office/powerpoint/2010/main">
-    <mc:Choice Requires="p14">
-      <p:transition spd="slow" p14:dur="3500" advTm="240000"/>
-    </mc:Choice>
-    <mc:Fallback xmlns="">
-      <p:transition spd="slow" advTm="240000"/>
-    </mc:Fallback>
-  </mc:AlternateContent>
-</p:sld>
-</file>
-
-<file path=ppt/slides/slide55.xml><?xml version="1.0" encoding="utf-8"?>
 <p:sld xmlns:a="http://schemas.openxmlformats.org/drawingml/2006/main" xmlns:r="http://schemas.openxmlformats.org/officeDocument/2006/relationships" xmlns:p="http://schemas.openxmlformats.org/presentationml/2006/main">
   <p:cSld>
     <p:spTree>
